--- a/Problem-Solution overview.pptx
+++ b/Problem-Solution overview.pptx
@@ -17,15 +17,6 @@
   </p:sldIdLst>
   <p:sldSz cx="9144000" cy="5143500" type="screen16x9"/>
   <p:notesSz cx="6858000" cy="9144000"/>
-  <p:embeddedFontLst>
-    <p:embeddedFont>
-      <p:font typeface="Proxima Nova" panose="02000506030000020004" pitchFamily="2" charset="0"/>
-      <p:regular r:id="rId9"/>
-      <p:bold r:id="rId10"/>
-      <p:italic r:id="rId11"/>
-      <p:boldItalic r:id="rId12"/>
-    </p:embeddedFont>
-  </p:embeddedFontLst>
   <p:defaultTextStyle>
     <a:defPPr marR="0" lvl="0" algn="l" rtl="0">
       <a:lnSpc>
@@ -1020,10 +1011,10 @@
               <a:buNone/>
             </a:pPr>
             <a:r>
-              <a:rPr lang="en"/>
+              <a:rPr lang="en" dirty="0"/>
               <a:t>During the 3-minute presentation, this can be explained as you go through the floor plan on slide 5.</a:t>
             </a:r>
-            <a:endParaRPr/>
+            <a:endParaRPr dirty="0"/>
           </a:p>
           <a:p>
             <a:pPr marL="0" lvl="0" indent="0" algn="l" rtl="0">
@@ -1035,7 +1026,7 @@
               </a:spcAft>
               <a:buNone/>
             </a:pPr>
-            <a:endParaRPr/>
+            <a:endParaRPr dirty="0"/>
           </a:p>
         </p:txBody>
       </p:sp>
@@ -1252,7 +1243,7 @@
               </a:spcAft>
               <a:buNone/>
             </a:pPr>
-            <a:endParaRPr/>
+            <a:endParaRPr dirty="0"/>
           </a:p>
         </p:txBody>
       </p:sp>
@@ -11240,7 +11231,7 @@
             </a:pPr>
             <a:r>
               <a:rPr lang="en" b="1" dirty="0">
-                <a:latin typeface="Proxima Nova"/>
+                <a:latin typeface="+mj-lt"/>
                 <a:ea typeface="Proxima Nova"/>
                 <a:cs typeface="Proxima Nova"/>
                 <a:sym typeface="Proxima Nova"/>
@@ -11248,7 +11239,7 @@
               <a:t>Performance-based routing to Microsoft Office 365 over Cisco Meraki SD-WAN.</a:t>
             </a:r>
             <a:endParaRPr b="1" dirty="0">
-              <a:latin typeface="Proxima Nova"/>
+              <a:latin typeface="+mj-lt"/>
               <a:ea typeface="Proxima Nova"/>
               <a:cs typeface="Proxima Nova"/>
               <a:sym typeface="Proxima Nova"/>
@@ -11467,7 +11458,7 @@
             </a:pPr>
             <a:r>
               <a:rPr lang="en" dirty="0">
-                <a:latin typeface="Proxima Nova"/>
+                <a:latin typeface="+mj-lt"/>
                 <a:ea typeface="Proxima Nova"/>
                 <a:cs typeface="Proxima Nova"/>
                 <a:sym typeface="Proxima Nova"/>
@@ -11475,7 +11466,7 @@
               <a:t>Scenario</a:t>
             </a:r>
             <a:endParaRPr dirty="0">
-              <a:latin typeface="Proxima Nova"/>
+              <a:latin typeface="+mj-lt"/>
               <a:ea typeface="Proxima Nova"/>
               <a:cs typeface="Proxima Nova"/>
               <a:sym typeface="Proxima Nova"/>
@@ -12519,7 +12510,7 @@
             </a:pPr>
             <a:r>
               <a:rPr lang="en" dirty="0">
-                <a:latin typeface="Proxima Nova"/>
+                <a:latin typeface="+mj-lt"/>
                 <a:ea typeface="Proxima Nova"/>
                 <a:cs typeface="Proxima Nova"/>
                 <a:sym typeface="Proxima Nova"/>
@@ -12527,7 +12518,7 @@
               <a:t>Solution</a:t>
             </a:r>
             <a:endParaRPr dirty="0">
-              <a:latin typeface="Proxima Nova"/>
+              <a:latin typeface="+mj-lt"/>
               <a:ea typeface="Proxima Nova"/>
               <a:cs typeface="Proxima Nova"/>
               <a:sym typeface="Proxima Nova"/>
@@ -13797,19 +13788,8 @@
           <a:lstStyle/>
           <a:p>
             <a:r>
-              <a:rPr lang="en-US" sz="1100"/>
+              <a:rPr lang="en-US" sz="1100" dirty="0"/>
               <a:t>Configuration:</a:t>
-            </a:r>
-            <a:endParaRPr lang="en-US" sz="1100" dirty="0"/>
-          </a:p>
-          <a:p>
-            <a:pPr marL="171450" indent="-171450">
-              <a:buFont typeface="Arial" panose="020B0604020202020204" pitchFamily="34" charset="0"/>
-              <a:buChar char="•"/>
-            </a:pPr>
-            <a:r>
-              <a:rPr lang="en-US" sz="1100" dirty="0"/>
-              <a:t>Send all Internet traffic to the Hub (exit hub),</a:t>
             </a:r>
           </a:p>
           <a:p>
@@ -13819,7 +13799,17 @@
             </a:pPr>
             <a:r>
               <a:rPr lang="en-US" sz="1100" dirty="0"/>
-              <a:t>Manually advertise all Office 365 routes to all peers.</a:t>
+              <a:t>Option 1: Send all Internet traffic to the Hub (exit hub),</a:t>
+            </a:r>
+          </a:p>
+          <a:p>
+            <a:pPr marL="171450" indent="-171450">
+              <a:buFont typeface="Arial" panose="020B0604020202020204" pitchFamily="34" charset="0"/>
+              <a:buChar char="•"/>
+            </a:pPr>
+            <a:r>
+              <a:rPr lang="en-US" sz="1100" dirty="0"/>
+              <a:t>Option 2: Manually advertise all Office 365 routes to all peers.</a:t>
             </a:r>
           </a:p>
           <a:p>
@@ -13894,7 +13884,7 @@
             </a:pPr>
             <a:r>
               <a:rPr lang="en" dirty="0">
-                <a:latin typeface="Proxima Nova"/>
+                <a:latin typeface="+mj-lt"/>
                 <a:ea typeface="Proxima Nova"/>
                 <a:cs typeface="Proxima Nova"/>
                 <a:sym typeface="Proxima Nova"/>
@@ -13902,7 +13892,7 @@
               <a:t>Automation</a:t>
             </a:r>
             <a:endParaRPr dirty="0">
-              <a:latin typeface="Proxima Nova"/>
+              <a:latin typeface="+mj-lt"/>
               <a:ea typeface="Proxima Nova"/>
               <a:cs typeface="Proxima Nova"/>
               <a:sym typeface="Proxima Nova"/>
@@ -14180,7 +14170,7 @@
             <a:avLst/>
           </a:prstGeom>
           <a:solidFill>
-            <a:schemeClr val="tx1"/>
+            <a:schemeClr val="accent6"/>
           </a:solidFill>
         </p:spPr>
         <p:txBody>
@@ -14192,7 +14182,7 @@
             <a:r>
               <a:rPr lang="en-US" sz="700" dirty="0">
                 <a:solidFill>
-                  <a:srgbClr val="00B0F0"/>
+                  <a:schemeClr val="bg1"/>
                 </a:solidFill>
                 <a:latin typeface="Courier" pitchFamily="2" charset="0"/>
               </a:rPr>
@@ -14309,7 +14299,9 @@
             <a:r>
               <a:rPr lang="en-US" sz="700" dirty="0">
                 <a:solidFill>
-                  <a:srgbClr val="92D050"/>
+                  <a:schemeClr val="accent2">
+                    <a:lumMod val="50000"/>
+                  </a:schemeClr>
                 </a:solidFill>
                 <a:latin typeface="Courier" pitchFamily="2" charset="0"/>
               </a:rPr>
@@ -14331,7 +14323,7 @@
             <a:r>
               <a:rPr lang="en-US" sz="700" dirty="0">
                 <a:solidFill>
-                  <a:srgbClr val="00B0F0"/>
+                  <a:schemeClr val="bg1"/>
                 </a:solidFill>
                 <a:latin typeface="Courier" pitchFamily="2" charset="0"/>
               </a:rPr>
@@ -14361,7 +14353,7 @@
             <a:avLst/>
           </a:prstGeom>
           <a:solidFill>
-            <a:schemeClr val="tx1"/>
+            <a:schemeClr val="accent6"/>
           </a:solidFill>
         </p:spPr>
         <p:txBody>
@@ -14373,7 +14365,7 @@
             <a:r>
               <a:rPr lang="en-US" sz="700" dirty="0">
                 <a:solidFill>
-                  <a:srgbClr val="00B0F0"/>
+                  <a:schemeClr val="bg1"/>
                 </a:solidFill>
                 <a:latin typeface="Courier" pitchFamily="2" charset="0"/>
               </a:rPr>
@@ -14503,7 +14495,7 @@
             <a:r>
               <a:rPr lang="en-US" sz="700" dirty="0">
                 <a:solidFill>
-                  <a:srgbClr val="00B0F0"/>
+                  <a:schemeClr val="bg1"/>
                 </a:solidFill>
                 <a:latin typeface="Courier" pitchFamily="2" charset="0"/>
               </a:rPr>
@@ -15227,6 +15219,49 @@
                 <a:srgbClr val="C00000"/>
               </a:solidFill>
             </a:endParaRPr>
+          </a:p>
+        </p:txBody>
+      </p:sp>
+      <p:sp>
+        <p:nvSpPr>
+          <p:cNvPr id="32" name="TextBox 31">
+            <a:extLst>
+              <a:ext uri="{FF2B5EF4-FFF2-40B4-BE49-F238E27FC236}">
+                <a16:creationId xmlns:a16="http://schemas.microsoft.com/office/drawing/2014/main" id="{2948A415-83BD-5641-98CF-6F52BA03712A}"/>
+              </a:ext>
+            </a:extLst>
+          </p:cNvPr>
+          <p:cNvSpPr txBox="1"/>
+          <p:nvPr/>
+        </p:nvSpPr>
+        <p:spPr>
+          <a:xfrm>
+            <a:off x="4351423" y="1902602"/>
+            <a:ext cx="1039067" cy="430887"/>
+          </a:xfrm>
+          <a:prstGeom prst="rect">
+            <a:avLst/>
+          </a:prstGeom>
+          <a:noFill/>
+        </p:spPr>
+        <p:txBody>
+          <a:bodyPr wrap="none" rtlCol="0">
+            <a:spAutoFit/>
+          </a:bodyPr>
+          <a:lstStyle/>
+          <a:p>
+            <a:pPr algn="ctr"/>
+            <a:r>
+              <a:rPr lang="en-US" sz="1100" dirty="0"/>
+              <a:t>Cisco Meraki </a:t>
+            </a:r>
+          </a:p>
+          <a:p>
+            <a:pPr algn="ctr"/>
+            <a:r>
+              <a:rPr lang="en-US" sz="1100" dirty="0"/>
+              <a:t>Cloud</a:t>
+            </a:r>
           </a:p>
         </p:txBody>
       </p:sp>
@@ -16331,6 +16366,41 @@
                                   </p:childTnLst>
                                 </p:cTn>
                               </p:par>
+                              <p:par>
+                                <p:cTn id="100" presetID="3" presetClass="entr" presetSubtype="10" fill="hold" grpId="0" nodeType="withEffect">
+                                  <p:stCondLst>
+                                    <p:cond delay="0"/>
+                                  </p:stCondLst>
+                                  <p:childTnLst>
+                                    <p:set>
+                                      <p:cBhvr>
+                                        <p:cTn id="101" dur="1" fill="hold">
+                                          <p:stCondLst>
+                                            <p:cond delay="0"/>
+                                          </p:stCondLst>
+                                        </p:cTn>
+                                        <p:tgtEl>
+                                          <p:spTgt spid="32"/>
+                                        </p:tgtEl>
+                                        <p:attrNameLst>
+                                          <p:attrName>style.visibility</p:attrName>
+                                        </p:attrNameLst>
+                                      </p:cBhvr>
+                                      <p:to>
+                                        <p:strVal val="visible"/>
+                                      </p:to>
+                                    </p:set>
+                                    <p:animEffect transition="in" filter="blinds(horizontal)">
+                                      <p:cBhvr>
+                                        <p:cTn id="102" dur="500"/>
+                                        <p:tgtEl>
+                                          <p:spTgt spid="32"/>
+                                        </p:tgtEl>
+                                      </p:cBhvr>
+                                    </p:animEffect>
+                                  </p:childTnLst>
+                                </p:cTn>
+                              </p:par>
                             </p:childTnLst>
                           </p:cTn>
                         </p:par>
@@ -16370,6 +16440,7 @@
       <p:bldP spid="45" grpId="0"/>
       <p:bldP spid="46" grpId="0"/>
       <p:bldP spid="47" grpId="0"/>
+      <p:bldP spid="32" grpId="0"/>
     </p:bldLst>
   </p:timing>
 </p:sld>
@@ -16394,49 +16465,294 @@
       </p:grpSpPr>
       <p:sp>
         <p:nvSpPr>
-          <p:cNvPr id="126" name="Google Shape;126;p27"/>
+          <p:cNvPr id="5" name="Google Shape;126;p27">
+            <a:extLst>
+              <a:ext uri="{FF2B5EF4-FFF2-40B4-BE49-F238E27FC236}">
+                <a16:creationId xmlns:a16="http://schemas.microsoft.com/office/drawing/2014/main" id="{39C9B269-1449-3340-B250-78C026C6FAF8}"/>
+              </a:ext>
+            </a:extLst>
+          </p:cNvPr>
           <p:cNvSpPr txBox="1">
-            <a:spLocks noGrp="1"/>
+            <a:spLocks/>
           </p:cNvSpPr>
-          <p:nvPr>
-            <p:ph type="title"/>
-          </p:nvPr>
+          <p:nvPr/>
         </p:nvSpPr>
         <p:spPr>
           <a:xfrm>
-            <a:off x="1703537" y="1066216"/>
-            <a:ext cx="5736900" cy="3011100"/>
+            <a:off x="3320655" y="1863634"/>
+            <a:ext cx="2502690" cy="898687"/>
           </a:xfrm>
           <a:prstGeom prst="rect">
             <a:avLst/>
           </a:prstGeom>
+          <a:noFill/>
+          <a:ln>
+            <a:noFill/>
+          </a:ln>
         </p:spPr>
         <p:txBody>
           <a:bodyPr spcFirstLastPara="1" wrap="square" lIns="68575" tIns="34275" rIns="68575" bIns="34275" anchor="ctr" anchorCtr="0">
             <a:noAutofit/>
           </a:bodyPr>
-          <a:lstStyle/>
+          <a:lstStyle>
+            <a:defPPr marR="0" lvl="0" algn="l" rtl="0">
+              <a:lnSpc>
+                <a:spcPct val="100000"/>
+              </a:lnSpc>
+              <a:spcBef>
+                <a:spcPts val="0"/>
+              </a:spcBef>
+              <a:spcAft>
+                <a:spcPts val="0"/>
+              </a:spcAft>
+            </a:defPPr>
+            <a:lvl1pPr marR="0" lvl="0" algn="ctr" rtl="0">
+              <a:lnSpc>
+                <a:spcPct val="100000"/>
+              </a:lnSpc>
+              <a:spcBef>
+                <a:spcPts val="0"/>
+              </a:spcBef>
+              <a:spcAft>
+                <a:spcPts val="0"/>
+              </a:spcAft>
+              <a:buClr>
+                <a:schemeClr val="lt1"/>
+              </a:buClr>
+              <a:buSzPts val="2700"/>
+              <a:buFont typeface="Arial"/>
+              <a:buNone/>
+              <a:defRPr sz="2700" b="0" i="0" u="none" strike="noStrike" cap="none">
+                <a:solidFill>
+                  <a:schemeClr val="lt1"/>
+                </a:solidFill>
+                <a:latin typeface="Arial"/>
+                <a:ea typeface="Arial"/>
+                <a:cs typeface="Arial"/>
+                <a:sym typeface="Arial"/>
+              </a:defRPr>
+            </a:lvl1pPr>
+            <a:lvl2pPr marR="0" lvl="1" algn="l" rtl="0">
+              <a:lnSpc>
+                <a:spcPct val="100000"/>
+              </a:lnSpc>
+              <a:spcBef>
+                <a:spcPts val="0"/>
+              </a:spcBef>
+              <a:spcAft>
+                <a:spcPts val="0"/>
+              </a:spcAft>
+              <a:buClr>
+                <a:srgbClr val="000000"/>
+              </a:buClr>
+              <a:buSzPts val="1100"/>
+              <a:buFont typeface="Arial"/>
+              <a:buNone/>
+              <a:defRPr sz="1400" b="0" i="0" u="none" strike="noStrike" cap="none">
+                <a:solidFill>
+                  <a:srgbClr val="000000"/>
+                </a:solidFill>
+                <a:latin typeface="Arial"/>
+                <a:ea typeface="Arial"/>
+                <a:cs typeface="Arial"/>
+                <a:sym typeface="Arial"/>
+              </a:defRPr>
+            </a:lvl2pPr>
+            <a:lvl3pPr marR="0" lvl="2" algn="l" rtl="0">
+              <a:lnSpc>
+                <a:spcPct val="100000"/>
+              </a:lnSpc>
+              <a:spcBef>
+                <a:spcPts val="0"/>
+              </a:spcBef>
+              <a:spcAft>
+                <a:spcPts val="0"/>
+              </a:spcAft>
+              <a:buClr>
+                <a:srgbClr val="000000"/>
+              </a:buClr>
+              <a:buSzPts val="1100"/>
+              <a:buFont typeface="Arial"/>
+              <a:buNone/>
+              <a:defRPr sz="1400" b="0" i="0" u="none" strike="noStrike" cap="none">
+                <a:solidFill>
+                  <a:srgbClr val="000000"/>
+                </a:solidFill>
+                <a:latin typeface="Arial"/>
+                <a:ea typeface="Arial"/>
+                <a:cs typeface="Arial"/>
+                <a:sym typeface="Arial"/>
+              </a:defRPr>
+            </a:lvl3pPr>
+            <a:lvl4pPr marR="0" lvl="3" algn="l" rtl="0">
+              <a:lnSpc>
+                <a:spcPct val="100000"/>
+              </a:lnSpc>
+              <a:spcBef>
+                <a:spcPts val="0"/>
+              </a:spcBef>
+              <a:spcAft>
+                <a:spcPts val="0"/>
+              </a:spcAft>
+              <a:buClr>
+                <a:srgbClr val="000000"/>
+              </a:buClr>
+              <a:buSzPts val="1100"/>
+              <a:buFont typeface="Arial"/>
+              <a:buNone/>
+              <a:defRPr sz="1400" b="0" i="0" u="none" strike="noStrike" cap="none">
+                <a:solidFill>
+                  <a:srgbClr val="000000"/>
+                </a:solidFill>
+                <a:latin typeface="Arial"/>
+                <a:ea typeface="Arial"/>
+                <a:cs typeface="Arial"/>
+                <a:sym typeface="Arial"/>
+              </a:defRPr>
+            </a:lvl4pPr>
+            <a:lvl5pPr marR="0" lvl="4" algn="l" rtl="0">
+              <a:lnSpc>
+                <a:spcPct val="100000"/>
+              </a:lnSpc>
+              <a:spcBef>
+                <a:spcPts val="0"/>
+              </a:spcBef>
+              <a:spcAft>
+                <a:spcPts val="0"/>
+              </a:spcAft>
+              <a:buClr>
+                <a:srgbClr val="000000"/>
+              </a:buClr>
+              <a:buSzPts val="1100"/>
+              <a:buFont typeface="Arial"/>
+              <a:buNone/>
+              <a:defRPr sz="1400" b="0" i="0" u="none" strike="noStrike" cap="none">
+                <a:solidFill>
+                  <a:srgbClr val="000000"/>
+                </a:solidFill>
+                <a:latin typeface="Arial"/>
+                <a:ea typeface="Arial"/>
+                <a:cs typeface="Arial"/>
+                <a:sym typeface="Arial"/>
+              </a:defRPr>
+            </a:lvl5pPr>
+            <a:lvl6pPr marR="0" lvl="5" algn="l" rtl="0">
+              <a:lnSpc>
+                <a:spcPct val="100000"/>
+              </a:lnSpc>
+              <a:spcBef>
+                <a:spcPts val="0"/>
+              </a:spcBef>
+              <a:spcAft>
+                <a:spcPts val="0"/>
+              </a:spcAft>
+              <a:buClr>
+                <a:srgbClr val="000000"/>
+              </a:buClr>
+              <a:buSzPts val="1100"/>
+              <a:buFont typeface="Arial"/>
+              <a:buNone/>
+              <a:defRPr sz="1400" b="0" i="0" u="none" strike="noStrike" cap="none">
+                <a:solidFill>
+                  <a:srgbClr val="000000"/>
+                </a:solidFill>
+                <a:latin typeface="Arial"/>
+                <a:ea typeface="Arial"/>
+                <a:cs typeface="Arial"/>
+                <a:sym typeface="Arial"/>
+              </a:defRPr>
+            </a:lvl6pPr>
+            <a:lvl7pPr marR="0" lvl="6" algn="l" rtl="0">
+              <a:lnSpc>
+                <a:spcPct val="100000"/>
+              </a:lnSpc>
+              <a:spcBef>
+                <a:spcPts val="0"/>
+              </a:spcBef>
+              <a:spcAft>
+                <a:spcPts val="0"/>
+              </a:spcAft>
+              <a:buClr>
+                <a:srgbClr val="000000"/>
+              </a:buClr>
+              <a:buSzPts val="1100"/>
+              <a:buFont typeface="Arial"/>
+              <a:buNone/>
+              <a:defRPr sz="1400" b="0" i="0" u="none" strike="noStrike" cap="none">
+                <a:solidFill>
+                  <a:srgbClr val="000000"/>
+                </a:solidFill>
+                <a:latin typeface="Arial"/>
+                <a:ea typeface="Arial"/>
+                <a:cs typeface="Arial"/>
+                <a:sym typeface="Arial"/>
+              </a:defRPr>
+            </a:lvl7pPr>
+            <a:lvl8pPr marR="0" lvl="7" algn="l" rtl="0">
+              <a:lnSpc>
+                <a:spcPct val="100000"/>
+              </a:lnSpc>
+              <a:spcBef>
+                <a:spcPts val="0"/>
+              </a:spcBef>
+              <a:spcAft>
+                <a:spcPts val="0"/>
+              </a:spcAft>
+              <a:buClr>
+                <a:srgbClr val="000000"/>
+              </a:buClr>
+              <a:buSzPts val="1100"/>
+              <a:buFont typeface="Arial"/>
+              <a:buNone/>
+              <a:defRPr sz="1400" b="0" i="0" u="none" strike="noStrike" cap="none">
+                <a:solidFill>
+                  <a:srgbClr val="000000"/>
+                </a:solidFill>
+                <a:latin typeface="Arial"/>
+                <a:ea typeface="Arial"/>
+                <a:cs typeface="Arial"/>
+                <a:sym typeface="Arial"/>
+              </a:defRPr>
+            </a:lvl8pPr>
+            <a:lvl9pPr marR="0" lvl="8" algn="l" rtl="0">
+              <a:lnSpc>
+                <a:spcPct val="100000"/>
+              </a:lnSpc>
+              <a:spcBef>
+                <a:spcPts val="0"/>
+              </a:spcBef>
+              <a:spcAft>
+                <a:spcPts val="0"/>
+              </a:spcAft>
+              <a:buClr>
+                <a:srgbClr val="000000"/>
+              </a:buClr>
+              <a:buSzPts val="1100"/>
+              <a:buFont typeface="Arial"/>
+              <a:buNone/>
+              <a:defRPr sz="1400" b="0" i="0" u="none" strike="noStrike" cap="none">
+                <a:solidFill>
+                  <a:srgbClr val="000000"/>
+                </a:solidFill>
+                <a:latin typeface="Arial"/>
+                <a:ea typeface="Arial"/>
+                <a:cs typeface="Arial"/>
+                <a:sym typeface="Arial"/>
+              </a:defRPr>
+            </a:lvl9pPr>
+          </a:lstStyle>
           <a:p>
-            <a:pPr marL="0" lvl="0" indent="0" algn="ctr" rtl="0">
-              <a:spcBef>
-                <a:spcPts val="0"/>
-              </a:spcBef>
-              <a:spcAft>
-                <a:spcPts val="0"/>
-              </a:spcAft>
-              <a:buNone/>
-            </a:pPr>
             <a:r>
-              <a:rPr lang="en" b="1" i="1">
-                <a:latin typeface="Proxima Nova"/>
+              <a:rPr lang="en-AU" b="1" i="1">
+                <a:latin typeface="+mj-lt"/>
                 <a:ea typeface="Proxima Nova"/>
                 <a:cs typeface="Proxima Nova"/>
                 <a:sym typeface="Proxima Nova"/>
               </a:rPr>
               <a:t>Thank you!</a:t>
             </a:r>
-            <a:endParaRPr b="1" i="1" dirty="0">
-              <a:latin typeface="Proxima Nova"/>
+            <a:endParaRPr lang="en-AU" b="1" i="1" dirty="0">
+              <a:latin typeface="+mj-lt"/>
               <a:ea typeface="Proxima Nova"/>
               <a:cs typeface="Proxima Nova"/>
               <a:sym typeface="Proxima Nova"/>
@@ -16444,6 +16760,90 @@
           </a:p>
         </p:txBody>
       </p:sp>
+      <p:sp>
+        <p:nvSpPr>
+          <p:cNvPr id="6" name="TextBox 5">
+            <a:extLst>
+              <a:ext uri="{FF2B5EF4-FFF2-40B4-BE49-F238E27FC236}">
+                <a16:creationId xmlns:a16="http://schemas.microsoft.com/office/drawing/2014/main" id="{066CF27C-8F67-B342-BEAB-4A3CD25C6A97}"/>
+              </a:ext>
+            </a:extLst>
+          </p:cNvPr>
+          <p:cNvSpPr txBox="1"/>
+          <p:nvPr/>
+        </p:nvSpPr>
+        <p:spPr>
+          <a:xfrm>
+            <a:off x="1027611" y="3492137"/>
+            <a:ext cx="7929154" cy="954107"/>
+          </a:xfrm>
+          <a:prstGeom prst="rect">
+            <a:avLst/>
+          </a:prstGeom>
+          <a:noFill/>
+        </p:spPr>
+        <p:txBody>
+          <a:bodyPr wrap="square" rtlCol="0">
+            <a:spAutoFit/>
+          </a:bodyPr>
+          <a:lstStyle/>
+          <a:p>
+            <a:r>
+              <a:rPr lang="en-AU" dirty="0">
+                <a:hlinkClick r:id="rId3"/>
+              </a:rPr>
+              <a:t>https://github.com/SalnikovAndrey/performance-based-routing-to-office-365-over-meraki-sd-wan</a:t>
+            </a:r>
+            <a:endParaRPr lang="en-AU" dirty="0"/>
+          </a:p>
+          <a:p>
+            <a:endParaRPr lang="en-AU" dirty="0"/>
+          </a:p>
+          <a:p>
+            <a:r>
+              <a:rPr lang="en-AU" dirty="0">
+                <a:solidFill>
+                  <a:schemeClr val="bg1"/>
+                </a:solidFill>
+              </a:rPr>
+              <a:t>Email: asalniko@cisco.com</a:t>
+            </a:r>
+          </a:p>
+          <a:p>
+            <a:endParaRPr lang="en-US" dirty="0"/>
+          </a:p>
+        </p:txBody>
+      </p:sp>
+      <p:pic>
+        <p:nvPicPr>
+          <p:cNvPr id="7" name="Picture 6">
+            <a:extLst>
+              <a:ext uri="{FF2B5EF4-FFF2-40B4-BE49-F238E27FC236}">
+                <a16:creationId xmlns:a16="http://schemas.microsoft.com/office/drawing/2014/main" id="{938D6B52-B351-8948-8C03-832BD03A3A60}"/>
+              </a:ext>
+            </a:extLst>
+          </p:cNvPr>
+          <p:cNvPicPr>
+            <a:picLocks noChangeAspect="1"/>
+          </p:cNvPicPr>
+          <p:nvPr/>
+        </p:nvPicPr>
+        <p:blipFill>
+          <a:blip r:embed="rId4"/>
+          <a:stretch>
+            <a:fillRect/>
+          </a:stretch>
+        </p:blipFill>
+        <p:spPr>
+          <a:xfrm>
+            <a:off x="685785" y="3492137"/>
+            <a:ext cx="341826" cy="308712"/>
+          </a:xfrm>
+          <a:prstGeom prst="rect">
+            <a:avLst/>
+          </a:prstGeom>
+        </p:spPr>
+      </p:pic>
     </p:spTree>
   </p:cSld>
   <p:clrMapOvr>

--- a/Problem-Solution overview.pptx
+++ b/Problem-Solution overview.pptx
@@ -11722,8 +11722,8 @@
         </p:nvSpPr>
         <p:spPr>
           <a:xfrm>
-            <a:off x="1290682" y="2689310"/>
-            <a:ext cx="1962397" cy="261610"/>
+            <a:off x="512941" y="1985598"/>
+            <a:ext cx="1124026" cy="430887"/>
           </a:xfrm>
           <a:prstGeom prst="rect">
             <a:avLst/>
@@ -11738,7 +11738,13 @@
           <a:p>
             <a:r>
               <a:rPr lang="en-US" sz="1100" dirty="0"/>
-              <a:t>MX VPN Hub - Concentrator</a:t>
+              <a:t>MX VPN Hub </a:t>
+            </a:r>
+          </a:p>
+          <a:p>
+            <a:r>
+              <a:rPr lang="en-US" sz="1100" dirty="0"/>
+              <a:t>(Routed mode)</a:t>
             </a:r>
           </a:p>
         </p:txBody>
@@ -12540,8 +12546,8 @@
         </p:nvSpPr>
         <p:spPr>
           <a:xfrm>
-            <a:off x="505097" y="1268420"/>
-            <a:ext cx="2907192" cy="2995748"/>
+            <a:off x="505097" y="1268419"/>
+            <a:ext cx="2907192" cy="3320471"/>
           </a:xfrm>
           <a:prstGeom prst="rect">
             <a:avLst/>
@@ -12704,7 +12710,7 @@
         </p:blipFill>
         <p:spPr>
           <a:xfrm>
-            <a:off x="1703414" y="3162675"/>
+            <a:off x="1451984" y="3606276"/>
             <a:ext cx="1566274" cy="1044182"/>
           </a:xfrm>
           <a:prstGeom prst="rect">
@@ -12834,8 +12840,8 @@
         </p:nvSpPr>
         <p:spPr>
           <a:xfrm>
-            <a:off x="1290682" y="2689310"/>
-            <a:ext cx="1962397" cy="261610"/>
+            <a:off x="515135" y="2003715"/>
+            <a:ext cx="1114340" cy="430887"/>
           </a:xfrm>
           <a:prstGeom prst="rect">
             <a:avLst/>
@@ -12843,14 +12849,14 @@
           <a:noFill/>
         </p:spPr>
         <p:txBody>
-          <a:bodyPr wrap="none" rtlCol="0">
+          <a:bodyPr wrap="square" rtlCol="0">
             <a:spAutoFit/>
           </a:bodyPr>
           <a:lstStyle/>
           <a:p>
             <a:r>
               <a:rPr lang="en-US" sz="1100" dirty="0"/>
-              <a:t>MX VPN Hub - Concentrator</a:t>
+              <a:t>MX VPN Hub (Routed mode)</a:t>
             </a:r>
           </a:p>
         </p:txBody>
@@ -13817,6 +13823,122 @@
           </a:p>
         </p:txBody>
       </p:sp>
+      <p:pic>
+        <p:nvPicPr>
+          <p:cNvPr id="26" name="Picture 25">
+            <a:extLst>
+              <a:ext uri="{FF2B5EF4-FFF2-40B4-BE49-F238E27FC236}">
+                <a16:creationId xmlns:a16="http://schemas.microsoft.com/office/drawing/2014/main" id="{35DBD5DD-3739-8043-AA60-F8917DD2D2BA}"/>
+              </a:ext>
+            </a:extLst>
+          </p:cNvPr>
+          <p:cNvPicPr>
+            <a:picLocks noChangeAspect="1"/>
+          </p:cNvPicPr>
+          <p:nvPr/>
+        </p:nvPicPr>
+        <p:blipFill>
+          <a:blip r:embed="rId5"/>
+          <a:stretch>
+            <a:fillRect/>
+          </a:stretch>
+        </p:blipFill>
+        <p:spPr>
+          <a:xfrm>
+            <a:off x="1967228" y="3005233"/>
+            <a:ext cx="493487" cy="493487"/>
+          </a:xfrm>
+          <a:prstGeom prst="rect">
+            <a:avLst/>
+          </a:prstGeom>
+        </p:spPr>
+      </p:pic>
+      <p:cxnSp>
+        <p:nvCxnSpPr>
+          <p:cNvPr id="29" name="Straight Connector 28">
+            <a:extLst>
+              <a:ext uri="{FF2B5EF4-FFF2-40B4-BE49-F238E27FC236}">
+                <a16:creationId xmlns:a16="http://schemas.microsoft.com/office/drawing/2014/main" id="{DA1D0676-9643-B846-B20C-7387D2BD9DD5}"/>
+              </a:ext>
+            </a:extLst>
+          </p:cNvPr>
+          <p:cNvCxnSpPr>
+            <a:cxnSpLocks/>
+          </p:cNvCxnSpPr>
+          <p:nvPr/>
+        </p:nvCxnSpPr>
+        <p:spPr>
+          <a:xfrm>
+            <a:off x="2213971" y="2618658"/>
+            <a:ext cx="0" cy="405353"/>
+          </a:xfrm>
+          <a:prstGeom prst="line">
+            <a:avLst/>
+          </a:prstGeom>
+          <a:ln w="28575">
+            <a:solidFill>
+              <a:schemeClr val="bg2"/>
+            </a:solidFill>
+          </a:ln>
+        </p:spPr>
+        <p:style>
+          <a:lnRef idx="1">
+            <a:schemeClr val="dk1"/>
+          </a:lnRef>
+          <a:fillRef idx="0">
+            <a:schemeClr val="dk1"/>
+          </a:fillRef>
+          <a:effectRef idx="0">
+            <a:schemeClr val="dk1"/>
+          </a:effectRef>
+          <a:fontRef idx="minor">
+            <a:schemeClr val="tx1"/>
+          </a:fontRef>
+        </p:style>
+      </p:cxnSp>
+      <p:cxnSp>
+        <p:nvCxnSpPr>
+          <p:cNvPr id="32" name="Straight Connector 31">
+            <a:extLst>
+              <a:ext uri="{FF2B5EF4-FFF2-40B4-BE49-F238E27FC236}">
+                <a16:creationId xmlns:a16="http://schemas.microsoft.com/office/drawing/2014/main" id="{FC879830-A915-CC4D-8ECA-2621D478BEA1}"/>
+              </a:ext>
+            </a:extLst>
+          </p:cNvPr>
+          <p:cNvCxnSpPr>
+            <a:cxnSpLocks/>
+          </p:cNvCxnSpPr>
+          <p:nvPr/>
+        </p:nvCxnSpPr>
+        <p:spPr>
+          <a:xfrm>
+            <a:off x="2211610" y="3498720"/>
+            <a:ext cx="0" cy="349804"/>
+          </a:xfrm>
+          <a:prstGeom prst="line">
+            <a:avLst/>
+          </a:prstGeom>
+          <a:ln w="28575">
+            <a:solidFill>
+              <a:schemeClr val="bg2"/>
+            </a:solidFill>
+          </a:ln>
+        </p:spPr>
+        <p:style>
+          <a:lnRef idx="1">
+            <a:schemeClr val="dk1"/>
+          </a:lnRef>
+          <a:fillRef idx="0">
+            <a:schemeClr val="dk1"/>
+          </a:fillRef>
+          <a:effectRef idx="0">
+            <a:schemeClr val="dk1"/>
+          </a:effectRef>
+          <a:fontRef idx="minor">
+            <a:schemeClr val="tx1"/>
+          </a:fontRef>
+        </p:style>
+      </p:cxnSp>
     </p:spTree>
   </p:cSld>
   <p:clrMapOvr>
